--- a/large-scale-dm.pptx
+++ b/large-scale-dm.pptx
@@ -5,39 +5,41 @@
     <p:sldMasterId id="2147483652" r:id="rId1"/>
   </p:sldMasterIdLst>
   <p:notesMasterIdLst>
-    <p:notesMasterId r:id="rId10"/>
+    <p:notesMasterId r:id="rId12"/>
   </p:notesMasterIdLst>
   <p:sldIdLst>
     <p:sldId id="256" r:id="rId2"/>
     <p:sldId id="257" r:id="rId3"/>
-    <p:sldId id="258" r:id="rId4"/>
-    <p:sldId id="259" r:id="rId5"/>
-    <p:sldId id="260" r:id="rId6"/>
-    <p:sldId id="261" r:id="rId7"/>
-    <p:sldId id="262" r:id="rId8"/>
-    <p:sldId id="263" r:id="rId9"/>
+    <p:sldId id="264" r:id="rId4"/>
+    <p:sldId id="258" r:id="rId5"/>
+    <p:sldId id="265" r:id="rId6"/>
+    <p:sldId id="259" r:id="rId7"/>
+    <p:sldId id="260" r:id="rId8"/>
+    <p:sldId id="261" r:id="rId9"/>
+    <p:sldId id="262" r:id="rId10"/>
+    <p:sldId id="263" r:id="rId11"/>
   </p:sldIdLst>
   <p:sldSz cx="9144000" cy="5143500" type="screen16x9"/>
   <p:notesSz cx="6858000" cy="9144000"/>
   <p:embeddedFontLst>
     <p:embeddedFont>
       <p:font typeface="Catamaran" pitchFamily="2" charset="77"/>
-      <p:regular r:id="rId11"/>
-      <p:bold r:id="rId12"/>
+      <p:regular r:id="rId13"/>
+      <p:bold r:id="rId14"/>
     </p:embeddedFont>
     <p:embeddedFont>
       <p:font typeface="Lato" panose="020F0502020204030203" pitchFamily="34" charset="0"/>
-      <p:regular r:id="rId13"/>
-      <p:bold r:id="rId14"/>
-      <p:italic r:id="rId15"/>
-      <p:boldItalic r:id="rId16"/>
+      <p:regular r:id="rId15"/>
+      <p:bold r:id="rId16"/>
+      <p:italic r:id="rId17"/>
+      <p:boldItalic r:id="rId18"/>
     </p:embeddedFont>
     <p:embeddedFont>
       <p:font typeface="Raleway" pitchFamily="2" charset="77"/>
-      <p:regular r:id="rId17"/>
-      <p:bold r:id="rId18"/>
-      <p:italic r:id="rId19"/>
-      <p:boldItalic r:id="rId20"/>
+      <p:regular r:id="rId19"/>
+      <p:bold r:id="rId20"/>
+      <p:italic r:id="rId21"/>
+      <p:boldItalic r:id="rId22"/>
     </p:embeddedFont>
   </p:embeddedFontLst>
   <p:defaultTextStyle>
@@ -966,7 +968,7 @@
         </p:nvSpPr>
         <p:spPr>
           <a:xfrm>
-            <a:off x="381300" y="685800"/>
+            <a:off x="381000" y="685800"/>
             <a:ext cx="6096000" cy="3429000"/>
           </a:xfrm>
           <a:custGeom>
@@ -1037,6 +1039,11 @@
         </p:txBody>
       </p:sp>
     </p:spTree>
+    <p:extLst>
+      <p:ext uri="{BB962C8B-B14F-4D97-AF65-F5344CB8AC3E}">
+        <p14:creationId xmlns:p14="http://schemas.microsoft.com/office/powerpoint/2010/main" val="2262674296"/>
+      </p:ext>
+    </p:extLst>
   </p:cSld>
   <p:clrMapOvr>
     <a:masterClrMapping/>
@@ -1049,7 +1056,7 @@
   <p:cSld>
     <p:spTree>
       <p:nvGrpSpPr>
-        <p:cNvPr id="1" name="Shape 85"/>
+        <p:cNvPr id="1" name="Shape 77"/>
         <p:cNvGrpSpPr/>
         <p:nvPr/>
       </p:nvGrpSpPr>
@@ -1063,7 +1070,7 @@
       </p:grpSpPr>
       <p:sp>
         <p:nvSpPr>
-          <p:cNvPr id="86" name="Google Shape;86;g1289395c232_45_41:notes"/>
+          <p:cNvPr id="78" name="Google Shape;78;g12ade092b4f_0_5:notes"/>
           <p:cNvSpPr>
             <a:spLocks noGrp="1" noRot="1" noChangeAspect="1"/>
           </p:cNvSpPr>
@@ -1073,7 +1080,7 @@
         </p:nvSpPr>
         <p:spPr>
           <a:xfrm>
-            <a:off x="381300" y="685800"/>
+            <a:off x="381000" y="685800"/>
             <a:ext cx="6096000" cy="3429000"/>
           </a:xfrm>
           <a:custGeom>
@@ -1104,7 +1111,7 @@
       </p:sp>
       <p:sp>
         <p:nvSpPr>
-          <p:cNvPr id="87" name="Google Shape;87;g1289395c232_45_41:notes"/>
+          <p:cNvPr id="79" name="Google Shape;79;g12ade092b4f_0_5:notes"/>
           <p:cNvSpPr txBox="1">
             <a:spLocks noGrp="1"/>
           </p:cNvSpPr>
@@ -1128,11 +1135,14 @@
           <a:lstStyle/>
           <a:p>
             <a:pPr marL="0" lvl="0" indent="0" algn="l" rtl="0">
-              <a:spcBef>
-                <a:spcPts val="0"/>
-              </a:spcBef>
-              <a:spcAft>
-                <a:spcPts val="0"/>
+              <a:lnSpc>
+                <a:spcPct val="115000"/>
+              </a:lnSpc>
+              <a:spcBef>
+                <a:spcPts val="0"/>
+              </a:spcBef>
+              <a:spcAft>
+                <a:spcPts val="1600"/>
               </a:spcAft>
               <a:buNone/>
             </a:pPr>
@@ -1153,7 +1163,7 @@
   <p:cSld>
     <p:spTree>
       <p:nvGrpSpPr>
-        <p:cNvPr id="1" name="Shape 97"/>
+        <p:cNvPr id="1" name="Shape 85"/>
         <p:cNvGrpSpPr/>
         <p:nvPr/>
       </p:nvGrpSpPr>
@@ -1167,7 +1177,7 @@
       </p:grpSpPr>
       <p:sp>
         <p:nvSpPr>
-          <p:cNvPr id="98" name="Google Shape;98;g12df644b60b_0_98:notes"/>
+          <p:cNvPr id="86" name="Google Shape;86;g1289395c232_45_41:notes"/>
           <p:cNvSpPr>
             <a:spLocks noGrp="1" noRot="1" noChangeAspect="1"/>
           </p:cNvSpPr>
@@ -1177,7 +1187,7 @@
         </p:nvSpPr>
         <p:spPr>
           <a:xfrm>
-            <a:off x="381300" y="685800"/>
+            <a:off x="381000" y="685800"/>
             <a:ext cx="6096000" cy="3429000"/>
           </a:xfrm>
           <a:custGeom>
@@ -1208,7 +1218,7 @@
       </p:sp>
       <p:sp>
         <p:nvSpPr>
-          <p:cNvPr id="99" name="Google Shape;99;g12df644b60b_0_98:notes"/>
+          <p:cNvPr id="87" name="Google Shape;87;g1289395c232_45_41:notes"/>
           <p:cNvSpPr txBox="1">
             <a:spLocks noGrp="1"/>
           </p:cNvSpPr>
@@ -1257,7 +1267,7 @@
   <p:cSld>
     <p:spTree>
       <p:nvGrpSpPr>
-        <p:cNvPr id="1" name="Shape 106"/>
+        <p:cNvPr id="1" name="Shape 97"/>
         <p:cNvGrpSpPr/>
         <p:nvPr/>
       </p:nvGrpSpPr>
@@ -1271,7 +1281,7 @@
       </p:grpSpPr>
       <p:sp>
         <p:nvSpPr>
-          <p:cNvPr id="107" name="Google Shape;107;g12df644b60b_0_108:notes"/>
+          <p:cNvPr id="98" name="Google Shape;98;g12df644b60b_0_98:notes"/>
           <p:cNvSpPr>
             <a:spLocks noGrp="1" noRot="1" noChangeAspect="1"/>
           </p:cNvSpPr>
@@ -1281,7 +1291,7 @@
         </p:nvSpPr>
         <p:spPr>
           <a:xfrm>
-            <a:off x="381300" y="685800"/>
+            <a:off x="381000" y="685800"/>
             <a:ext cx="6096000" cy="3429000"/>
           </a:xfrm>
           <a:custGeom>
@@ -1312,7 +1322,7 @@
       </p:sp>
       <p:sp>
         <p:nvSpPr>
-          <p:cNvPr id="108" name="Google Shape;108;g12df644b60b_0_108:notes"/>
+          <p:cNvPr id="99" name="Google Shape;99;g12df644b60b_0_98:notes"/>
           <p:cNvSpPr txBox="1">
             <a:spLocks noGrp="1"/>
           </p:cNvSpPr>
@@ -1361,7 +1371,7 @@
   <p:cSld>
     <p:spTree>
       <p:nvGrpSpPr>
-        <p:cNvPr id="1" name="Shape 123"/>
+        <p:cNvPr id="1" name="Shape 106"/>
         <p:cNvGrpSpPr/>
         <p:nvPr/>
       </p:nvGrpSpPr>
@@ -1375,7 +1385,7 @@
       </p:grpSpPr>
       <p:sp>
         <p:nvSpPr>
-          <p:cNvPr id="124" name="Google Shape;124;g12a3e01eb3d_2_0:notes"/>
+          <p:cNvPr id="107" name="Google Shape;107;g12df644b60b_0_108:notes"/>
           <p:cNvSpPr>
             <a:spLocks noGrp="1" noRot="1" noChangeAspect="1"/>
           </p:cNvSpPr>
@@ -1385,7 +1395,7 @@
         </p:nvSpPr>
         <p:spPr>
           <a:xfrm>
-            <a:off x="381300" y="685800"/>
+            <a:off x="381000" y="685800"/>
             <a:ext cx="6096000" cy="3429000"/>
           </a:xfrm>
           <a:custGeom>
@@ -1416,7 +1426,7 @@
       </p:sp>
       <p:sp>
         <p:nvSpPr>
-          <p:cNvPr id="125" name="Google Shape;125;g12a3e01eb3d_2_0:notes"/>
+          <p:cNvPr id="108" name="Google Shape;108;g12df644b60b_0_108:notes"/>
           <p:cNvSpPr txBox="1">
             <a:spLocks noGrp="1"/>
           </p:cNvSpPr>
@@ -1461,6 +1471,110 @@
 </file>
 
 <file path=ppt/notesSlides/notesSlide8.xml><?xml version="1.0" encoding="utf-8"?>
+<p:notes xmlns:a="http://schemas.openxmlformats.org/drawingml/2006/main" xmlns:r="http://schemas.openxmlformats.org/officeDocument/2006/relationships" xmlns:p="http://schemas.openxmlformats.org/presentationml/2006/main" showMasterSp="0" showMasterPhAnim="0">
+  <p:cSld>
+    <p:spTree>
+      <p:nvGrpSpPr>
+        <p:cNvPr id="1" name="Shape 123"/>
+        <p:cNvGrpSpPr/>
+        <p:nvPr/>
+      </p:nvGrpSpPr>
+      <p:grpSpPr>
+        <a:xfrm>
+          <a:off x="0" y="0"/>
+          <a:ext cx="0" cy="0"/>
+          <a:chOff x="0" y="0"/>
+          <a:chExt cx="0" cy="0"/>
+        </a:xfrm>
+      </p:grpSpPr>
+      <p:sp>
+        <p:nvSpPr>
+          <p:cNvPr id="124" name="Google Shape;124;g12a3e01eb3d_2_0:notes"/>
+          <p:cNvSpPr>
+            <a:spLocks noGrp="1" noRot="1" noChangeAspect="1"/>
+          </p:cNvSpPr>
+          <p:nvPr>
+            <p:ph type="sldImg" idx="2"/>
+          </p:nvPr>
+        </p:nvSpPr>
+        <p:spPr>
+          <a:xfrm>
+            <a:off x="381000" y="685800"/>
+            <a:ext cx="6096000" cy="3429000"/>
+          </a:xfrm>
+          <a:custGeom>
+            <a:avLst/>
+            <a:gdLst/>
+            <a:ahLst/>
+            <a:cxnLst/>
+            <a:rect l="l" t="t" r="r" b="b"/>
+            <a:pathLst>
+              <a:path w="120000" h="120000" extrusionOk="0">
+                <a:moveTo>
+                  <a:pt x="0" y="0"/>
+                </a:moveTo>
+                <a:lnTo>
+                  <a:pt x="120000" y="0"/>
+                </a:lnTo>
+                <a:lnTo>
+                  <a:pt x="120000" y="120000"/>
+                </a:lnTo>
+                <a:lnTo>
+                  <a:pt x="0" y="120000"/>
+                </a:lnTo>
+                <a:close/>
+              </a:path>
+            </a:pathLst>
+          </a:custGeom>
+        </p:spPr>
+      </p:sp>
+      <p:sp>
+        <p:nvSpPr>
+          <p:cNvPr id="125" name="Google Shape;125;g12a3e01eb3d_2_0:notes"/>
+          <p:cNvSpPr txBox="1">
+            <a:spLocks noGrp="1"/>
+          </p:cNvSpPr>
+          <p:nvPr>
+            <p:ph type="body" idx="1"/>
+          </p:nvPr>
+        </p:nvSpPr>
+        <p:spPr>
+          <a:xfrm>
+            <a:off x="685800" y="4343400"/>
+            <a:ext cx="5486400" cy="4114800"/>
+          </a:xfrm>
+          <a:prstGeom prst="rect">
+            <a:avLst/>
+          </a:prstGeom>
+        </p:spPr>
+        <p:txBody>
+          <a:bodyPr spcFirstLastPara="1" wrap="square" lIns="91425" tIns="91425" rIns="91425" bIns="91425" anchor="t" anchorCtr="0">
+            <a:noAutofit/>
+          </a:bodyPr>
+          <a:lstStyle/>
+          <a:p>
+            <a:pPr marL="0" lvl="0" indent="0" algn="l" rtl="0">
+              <a:spcBef>
+                <a:spcPts val="0"/>
+              </a:spcBef>
+              <a:spcAft>
+                <a:spcPts val="0"/>
+              </a:spcAft>
+              <a:buNone/>
+            </a:pPr>
+            <a:endParaRPr/>
+          </a:p>
+        </p:txBody>
+      </p:sp>
+    </p:spTree>
+  </p:cSld>
+  <p:clrMapOvr>
+    <a:masterClrMapping/>
+  </p:clrMapOvr>
+</p:notes>
+</file>
+
+<file path=ppt/notesSlides/notesSlide9.xml><?xml version="1.0" encoding="utf-8"?>
 <p:notes xmlns:a="http://schemas.openxmlformats.org/drawingml/2006/main" xmlns:r="http://schemas.openxmlformats.org/officeDocument/2006/relationships" xmlns:p="http://schemas.openxmlformats.org/presentationml/2006/main" showMasterSp="0" showMasterPhAnim="0">
   <p:cSld>
     <p:spTree>
@@ -6444,12 +6558,8 @@
               <a:rPr lang="it-IT" sz="3200" dirty="0"/>
             </a:br>
             <a:r>
-              <a:rPr lang="it-IT" sz="2400" dirty="0" err="1"/>
-              <a:t>NoSQL</a:t>
-            </a:r>
-            <a:r>
               <a:rPr lang="it-IT" sz="2400" dirty="0"/>
-              <a:t> Database </a:t>
+              <a:t>Database </a:t>
             </a:r>
             <a:r>
               <a:rPr lang="it-IT" sz="2400" dirty="0" err="1"/>
@@ -6540,6 +6650,73 @@
               <a:t>Sapienza University of Rome</a:t>
             </a:r>
             <a:endParaRPr dirty="0"/>
+          </a:p>
+        </p:txBody>
+      </p:sp>
+    </p:spTree>
+  </p:cSld>
+  <p:clrMapOvr>
+    <a:masterClrMapping/>
+  </p:clrMapOvr>
+</p:sld>
+</file>
+
+<file path=ppt/slides/slide10.xml><?xml version="1.0" encoding="utf-8"?>
+<p:sld xmlns:a="http://schemas.openxmlformats.org/drawingml/2006/main" xmlns:r="http://schemas.openxmlformats.org/officeDocument/2006/relationships" xmlns:p="http://schemas.openxmlformats.org/presentationml/2006/main">
+  <p:cSld>
+    <p:spTree>
+      <p:nvGrpSpPr>
+        <p:cNvPr id="1" name="Shape 134"/>
+        <p:cNvGrpSpPr/>
+        <p:nvPr/>
+      </p:nvGrpSpPr>
+      <p:grpSpPr>
+        <a:xfrm>
+          <a:off x="0" y="0"/>
+          <a:ext cx="0" cy="0"/>
+          <a:chOff x="0" y="0"/>
+          <a:chExt cx="0" cy="0"/>
+        </a:xfrm>
+      </p:grpSpPr>
+      <p:sp>
+        <p:nvSpPr>
+          <p:cNvPr id="135" name="Google Shape;135;p13"/>
+          <p:cNvSpPr txBox="1">
+            <a:spLocks noGrp="1"/>
+          </p:cNvSpPr>
+          <p:nvPr>
+            <p:ph type="ctrTitle"/>
+          </p:nvPr>
+        </p:nvSpPr>
+        <p:spPr>
+          <a:xfrm>
+            <a:off x="729450" y="1322450"/>
+            <a:ext cx="7688100" cy="767700"/>
+          </a:xfrm>
+          <a:prstGeom prst="rect">
+            <a:avLst/>
+          </a:prstGeom>
+        </p:spPr>
+        <p:txBody>
+          <a:bodyPr spcFirstLastPara="1" wrap="square" lIns="91425" tIns="91425" rIns="91425" bIns="91425" anchor="t" anchorCtr="0">
+            <a:noAutofit/>
+          </a:bodyPr>
+          <a:lstStyle/>
+          <a:p>
+            <a:pPr marL="0" lvl="0" indent="0" algn="l" rtl="0">
+              <a:spcBef>
+                <a:spcPts val="0"/>
+              </a:spcBef>
+              <a:spcAft>
+                <a:spcPts val="0"/>
+              </a:spcAft>
+              <a:buNone/>
+            </a:pPr>
+            <a:r>
+              <a:rPr lang="it"/>
+              <a:t>Thank you for the attention!</a:t>
+            </a:r>
+            <a:endParaRPr/>
           </a:p>
         </p:txBody>
       </p:sp>
@@ -6693,7 +6870,7 @@
                 <a:cs typeface="Raleway"/>
                 <a:sym typeface="Raleway"/>
               </a:rPr>
-              <a:t>Section 1</a:t>
+              <a:t>Introduction</a:t>
             </a:r>
             <a:endParaRPr sz="1800" dirty="0">
               <a:latin typeface="Raleway"/>
@@ -6739,15 +6916,33 @@
               <a:buNone/>
             </a:pPr>
             <a:r>
-              <a:rPr lang="it" sz="1800">
+              <a:rPr lang="it-IT" sz="1800" dirty="0">
                 <a:latin typeface="Raleway"/>
                 <a:ea typeface="Raleway"/>
                 <a:cs typeface="Raleway"/>
                 <a:sym typeface="Raleway"/>
               </a:rPr>
-              <a:t>Section 2</a:t>
+              <a:t>Tool </a:t>
             </a:r>
-            <a:endParaRPr sz="1800">
+            <a:r>
+              <a:rPr lang="it-IT" sz="1800" dirty="0" err="1">
+                <a:latin typeface="Raleway"/>
+                <a:ea typeface="Raleway"/>
+                <a:cs typeface="Raleway"/>
+                <a:sym typeface="Raleway"/>
+              </a:rPr>
+              <a:t>installation</a:t>
+            </a:r>
+            <a:r>
+              <a:rPr lang="it-IT" sz="1800" dirty="0">
+                <a:latin typeface="Raleway"/>
+                <a:ea typeface="Raleway"/>
+                <a:cs typeface="Raleway"/>
+                <a:sym typeface="Raleway"/>
+              </a:rPr>
+              <a:t> and setup</a:t>
+            </a:r>
+            <a:endParaRPr sz="1800" dirty="0">
               <a:latin typeface="Raleway"/>
               <a:ea typeface="Raleway"/>
               <a:cs typeface="Raleway"/>
@@ -6791,15 +6986,15 @@
               <a:buNone/>
             </a:pPr>
             <a:r>
-              <a:rPr lang="it" sz="1800">
+              <a:rPr lang="it-IT" sz="1800" dirty="0">
                 <a:latin typeface="Raleway"/>
                 <a:ea typeface="Raleway"/>
                 <a:cs typeface="Raleway"/>
                 <a:sym typeface="Raleway"/>
               </a:rPr>
-              <a:t>Section 3</a:t>
+              <a:t>Dataset import</a:t>
             </a:r>
-            <a:endParaRPr sz="1800">
+            <a:endParaRPr sz="1800" dirty="0">
               <a:latin typeface="Raleway"/>
               <a:ea typeface="Raleway"/>
               <a:cs typeface="Raleway"/>
@@ -6843,20 +7038,14 @@
               <a:buNone/>
             </a:pPr>
             <a:r>
-              <a:rPr lang="it" sz="1800">
+              <a:rPr lang="it-IT" sz="1800" dirty="0">
                 <a:latin typeface="Raleway"/>
                 <a:ea typeface="Raleway"/>
                 <a:cs typeface="Raleway"/>
                 <a:sym typeface="Raleway"/>
               </a:rPr>
-              <a:t>Section 4</a:t>
+              <a:t>Query tool</a:t>
             </a:r>
-            <a:endParaRPr sz="1800">
-              <a:latin typeface="Raleway"/>
-              <a:ea typeface="Raleway"/>
-              <a:cs typeface="Raleway"/>
-              <a:sym typeface="Raleway"/>
-            </a:endParaRPr>
           </a:p>
         </p:txBody>
       </p:sp>
@@ -6889,6 +7078,116 @@
           <a:lstStyle/>
           <a:p>
             <a:endParaRPr lang="en-US" dirty="0"/>
+          </a:p>
+        </p:txBody>
+      </p:sp>
+      <p:sp>
+        <p:nvSpPr>
+          <p:cNvPr id="3" name="Google Shape;74;p7">
+            <a:extLst>
+              <a:ext uri="{FF2B5EF4-FFF2-40B4-BE49-F238E27FC236}">
+                <a16:creationId xmlns:a16="http://schemas.microsoft.com/office/drawing/2014/main" id="{AF97603F-C82D-CFCD-79CF-33EBFB78E0AB}"/>
+              </a:ext>
+            </a:extLst>
+          </p:cNvPr>
+          <p:cNvSpPr txBox="1"/>
+          <p:nvPr/>
+        </p:nvSpPr>
+        <p:spPr>
+          <a:xfrm>
+            <a:off x="1583700" y="3908651"/>
+            <a:ext cx="2141400" cy="841200"/>
+          </a:xfrm>
+          <a:prstGeom prst="rect">
+            <a:avLst/>
+          </a:prstGeom>
+          <a:noFill/>
+          <a:ln>
+            <a:noFill/>
+          </a:ln>
+        </p:spPr>
+        <p:txBody>
+          <a:bodyPr spcFirstLastPara="1" wrap="square" lIns="91425" tIns="91425" rIns="91425" bIns="91425" anchor="ctr" anchorCtr="0">
+            <a:noAutofit/>
+          </a:bodyPr>
+          <a:lstStyle/>
+          <a:p>
+            <a:pPr marL="0" lvl="0" indent="0" algn="l" rtl="0">
+              <a:spcBef>
+                <a:spcPts val="0"/>
+              </a:spcBef>
+              <a:spcAft>
+                <a:spcPts val="1600"/>
+              </a:spcAft>
+              <a:buNone/>
+            </a:pPr>
+            <a:r>
+              <a:rPr lang="it-IT" sz="1800" dirty="0">
+                <a:latin typeface="Raleway"/>
+                <a:ea typeface="Raleway"/>
+                <a:cs typeface="Raleway"/>
+                <a:sym typeface="Raleway"/>
+              </a:rPr>
+              <a:t>Analytics tool</a:t>
+            </a:r>
+          </a:p>
+        </p:txBody>
+      </p:sp>
+      <p:sp>
+        <p:nvSpPr>
+          <p:cNvPr id="4" name="Google Shape;74;p7">
+            <a:extLst>
+              <a:ext uri="{FF2B5EF4-FFF2-40B4-BE49-F238E27FC236}">
+                <a16:creationId xmlns:a16="http://schemas.microsoft.com/office/drawing/2014/main" id="{F149C42F-FAFE-7E58-E29E-ECCE9391D2BF}"/>
+              </a:ext>
+            </a:extLst>
+          </p:cNvPr>
+          <p:cNvSpPr txBox="1"/>
+          <p:nvPr/>
+        </p:nvSpPr>
+        <p:spPr>
+          <a:xfrm>
+            <a:off x="5403000" y="3892300"/>
+            <a:ext cx="2141400" cy="841200"/>
+          </a:xfrm>
+          <a:prstGeom prst="rect">
+            <a:avLst/>
+          </a:prstGeom>
+          <a:noFill/>
+          <a:ln>
+            <a:noFill/>
+          </a:ln>
+        </p:spPr>
+        <p:txBody>
+          <a:bodyPr spcFirstLastPara="1" wrap="square" lIns="91425" tIns="91425" rIns="91425" bIns="91425" anchor="ctr" anchorCtr="0">
+            <a:noAutofit/>
+          </a:bodyPr>
+          <a:lstStyle/>
+          <a:p>
+            <a:pPr marL="0" lvl="0" indent="0" algn="l" rtl="0">
+              <a:spcBef>
+                <a:spcPts val="0"/>
+              </a:spcBef>
+              <a:spcAft>
+                <a:spcPts val="1600"/>
+              </a:spcAft>
+              <a:buNone/>
+            </a:pPr>
+            <a:r>
+              <a:rPr lang="it-IT" sz="1800" dirty="0" err="1">
+                <a:latin typeface="Raleway"/>
+                <a:ea typeface="Raleway"/>
+                <a:cs typeface="Raleway"/>
+                <a:sym typeface="Raleway"/>
+              </a:rPr>
+              <a:t>References</a:t>
+            </a:r>
+            <a:endParaRPr lang="it-IT" sz="1800" dirty="0">
+              <a:latin typeface="Raleway"/>
+              <a:ea typeface="Raleway"/>
+              <a:cs typeface="Raleway"/>
+              <a:sym typeface="Raleway"/>
+            </a:endParaRPr>
           </a:p>
         </p:txBody>
       </p:sp>
@@ -6952,52 +7251,10 @@
               <a:buNone/>
             </a:pPr>
             <a:r>
-              <a:rPr lang="it"/>
-              <a:t>Slide example 1</a:t>
+              <a:rPr lang="it-IT" dirty="0" err="1"/>
+              <a:t>CouchBase</a:t>
             </a:r>
-            <a:endParaRPr/>
-          </a:p>
-        </p:txBody>
-      </p:sp>
-      <p:sp>
-        <p:nvSpPr>
-          <p:cNvPr id="82" name="Google Shape;82;p8"/>
-          <p:cNvSpPr txBox="1">
-            <a:spLocks noGrp="1"/>
-          </p:cNvSpPr>
-          <p:nvPr>
-            <p:ph type="body" idx="1"/>
-          </p:nvPr>
-        </p:nvSpPr>
-        <p:spPr>
-          <a:xfrm>
-            <a:off x="727650" y="1622025"/>
-            <a:ext cx="7688700" cy="2261100"/>
-          </a:xfrm>
-          <a:prstGeom prst="rect">
-            <a:avLst/>
-          </a:prstGeom>
-        </p:spPr>
-        <p:txBody>
-          <a:bodyPr spcFirstLastPara="1" wrap="square" lIns="91425" tIns="91425" rIns="91425" bIns="91425" anchor="t" anchorCtr="0">
-            <a:noAutofit/>
-          </a:bodyPr>
-          <a:lstStyle/>
-          <a:p>
-            <a:pPr marL="0" lvl="0" indent="0" algn="l" rtl="0">
-              <a:spcBef>
-                <a:spcPts val="0"/>
-              </a:spcBef>
-              <a:spcAft>
-                <a:spcPts val="1600"/>
-              </a:spcAft>
-              <a:buNone/>
-            </a:pPr>
-            <a:r>
-              <a:rPr lang="it"/>
-              <a:t>Lorem ipsum dolor sit amet, consectetur adipisci elit, sed eiusmod tempor incidunt ut labore et dolore magna aliqua. Ut enim ad minim veniam, quis nostrum exercitationem ullam corporis suscipit laboriosam, nisi ut aliquid ex ea commodi consequatur. Quis aute iure reprehenderit in voluptate velit esse cillum dolore eu fugiat nulla pariatur. Excepteur sint obcaecat cupiditat non proident, sunt in culpa qui officia deserunt mollit anim id est laborum.</a:t>
-            </a:r>
-            <a:endParaRPr/>
+            <a:endParaRPr dirty="0"/>
           </a:p>
         </p:txBody>
       </p:sp>
@@ -7078,14 +7335,544 @@
               <a:buNone/>
             </a:pPr>
             <a:r>
-              <a:rPr lang="it" sz="900"/>
-              <a:t>Presentation Title - Name Surname</a:t>
+              <a:rPr lang="it-IT" sz="900" dirty="0" err="1"/>
+              <a:t>CouchBase</a:t>
             </a:r>
-            <a:endParaRPr sz="900"/>
-          </a:p>
-        </p:txBody>
-      </p:sp>
+            <a:r>
+              <a:rPr lang="it" sz="900" dirty="0"/>
+              <a:t> – Lorenzo Frangella 1899674</a:t>
+            </a:r>
+            <a:endParaRPr sz="900" dirty="0"/>
+          </a:p>
+        </p:txBody>
+      </p:sp>
+      <p:sp>
+        <p:nvSpPr>
+          <p:cNvPr id="12" name="Google Shape;103;p10">
+            <a:extLst>
+              <a:ext uri="{FF2B5EF4-FFF2-40B4-BE49-F238E27FC236}">
+                <a16:creationId xmlns:a16="http://schemas.microsoft.com/office/drawing/2014/main" id="{F6BF6AC7-BE62-0F85-B14D-862CFB391ACA}"/>
+              </a:ext>
+            </a:extLst>
+          </p:cNvPr>
+          <p:cNvSpPr txBox="1">
+            <a:spLocks/>
+          </p:cNvSpPr>
+          <p:nvPr/>
+        </p:nvSpPr>
+        <p:spPr>
+          <a:xfrm>
+            <a:off x="727650" y="1824363"/>
+            <a:ext cx="4957207" cy="1922138"/>
+          </a:xfrm>
+          <a:prstGeom prst="rect">
+            <a:avLst/>
+          </a:prstGeom>
+          <a:noFill/>
+          <a:ln>
+            <a:noFill/>
+          </a:ln>
+        </p:spPr>
+        <p:txBody>
+          <a:bodyPr spcFirstLastPara="1" wrap="square" lIns="91425" tIns="91425" rIns="91425" bIns="91425" anchor="t" anchorCtr="0">
+            <a:noAutofit/>
+          </a:bodyPr>
+          <a:lstStyle>
+            <a:defPPr marR="0" lvl="0" algn="l" rtl="0">
+              <a:lnSpc>
+                <a:spcPct val="100000"/>
+              </a:lnSpc>
+              <a:spcBef>
+                <a:spcPts val="0"/>
+              </a:spcBef>
+              <a:spcAft>
+                <a:spcPts val="0"/>
+              </a:spcAft>
+            </a:defPPr>
+            <a:lvl1pPr marL="457200" marR="0" lvl="0" indent="-311150" algn="l" rtl="0">
+              <a:lnSpc>
+                <a:spcPct val="115000"/>
+              </a:lnSpc>
+              <a:spcBef>
+                <a:spcPts val="0"/>
+              </a:spcBef>
+              <a:spcAft>
+                <a:spcPts val="0"/>
+              </a:spcAft>
+              <a:buClr>
+                <a:schemeClr val="accent1"/>
+              </a:buClr>
+              <a:buSzPts val="900"/>
+              <a:buFont typeface="Catamaran"/>
+              <a:buNone/>
+              <a:defRPr sz="900" b="0" i="0" u="none" strike="noStrike" cap="none">
+                <a:solidFill>
+                  <a:schemeClr val="accent1"/>
+                </a:solidFill>
+                <a:latin typeface="Catamaran"/>
+                <a:ea typeface="Catamaran"/>
+                <a:cs typeface="Catamaran"/>
+                <a:sym typeface="Catamaran"/>
+              </a:defRPr>
+            </a:lvl1pPr>
+            <a:lvl2pPr marL="914400" marR="0" lvl="1" indent="-298450" algn="l" rtl="0">
+              <a:lnSpc>
+                <a:spcPct val="115000"/>
+              </a:lnSpc>
+              <a:spcBef>
+                <a:spcPts val="1600"/>
+              </a:spcBef>
+              <a:spcAft>
+                <a:spcPts val="0"/>
+              </a:spcAft>
+              <a:buClr>
+                <a:schemeClr val="accent1"/>
+              </a:buClr>
+              <a:buSzPts val="1100"/>
+              <a:buFont typeface="Catamaran"/>
+              <a:buNone/>
+              <a:defRPr sz="1100" b="0" i="0" u="none" strike="noStrike" cap="none">
+                <a:solidFill>
+                  <a:schemeClr val="accent1"/>
+                </a:solidFill>
+                <a:latin typeface="Catamaran"/>
+                <a:ea typeface="Catamaran"/>
+                <a:cs typeface="Catamaran"/>
+                <a:sym typeface="Catamaran"/>
+              </a:defRPr>
+            </a:lvl2pPr>
+            <a:lvl3pPr marL="1371600" marR="0" lvl="2" indent="-298450" algn="l" rtl="0">
+              <a:lnSpc>
+                <a:spcPct val="115000"/>
+              </a:lnSpc>
+              <a:spcBef>
+                <a:spcPts val="1600"/>
+              </a:spcBef>
+              <a:spcAft>
+                <a:spcPts val="0"/>
+              </a:spcAft>
+              <a:buClr>
+                <a:schemeClr val="accent1"/>
+              </a:buClr>
+              <a:buSzPts val="1100"/>
+              <a:buFont typeface="Catamaran"/>
+              <a:buNone/>
+              <a:defRPr sz="1100" b="0" i="0" u="none" strike="noStrike" cap="none">
+                <a:solidFill>
+                  <a:schemeClr val="accent1"/>
+                </a:solidFill>
+                <a:latin typeface="Catamaran"/>
+                <a:ea typeface="Catamaran"/>
+                <a:cs typeface="Catamaran"/>
+                <a:sym typeface="Catamaran"/>
+              </a:defRPr>
+            </a:lvl3pPr>
+            <a:lvl4pPr marL="1828800" marR="0" lvl="3" indent="-298450" algn="l" rtl="0">
+              <a:lnSpc>
+                <a:spcPct val="115000"/>
+              </a:lnSpc>
+              <a:spcBef>
+                <a:spcPts val="1600"/>
+              </a:spcBef>
+              <a:spcAft>
+                <a:spcPts val="0"/>
+              </a:spcAft>
+              <a:buClr>
+                <a:schemeClr val="accent1"/>
+              </a:buClr>
+              <a:buSzPts val="1100"/>
+              <a:buFont typeface="Catamaran"/>
+              <a:buNone/>
+              <a:defRPr sz="1100" b="0" i="0" u="none" strike="noStrike" cap="none">
+                <a:solidFill>
+                  <a:schemeClr val="accent1"/>
+                </a:solidFill>
+                <a:latin typeface="Catamaran"/>
+                <a:ea typeface="Catamaran"/>
+                <a:cs typeface="Catamaran"/>
+                <a:sym typeface="Catamaran"/>
+              </a:defRPr>
+            </a:lvl4pPr>
+            <a:lvl5pPr marL="2286000" marR="0" lvl="4" indent="-298450" algn="l" rtl="0">
+              <a:lnSpc>
+                <a:spcPct val="115000"/>
+              </a:lnSpc>
+              <a:spcBef>
+                <a:spcPts val="1600"/>
+              </a:spcBef>
+              <a:spcAft>
+                <a:spcPts val="0"/>
+              </a:spcAft>
+              <a:buClr>
+                <a:schemeClr val="accent1"/>
+              </a:buClr>
+              <a:buSzPts val="1100"/>
+              <a:buFont typeface="Catamaran"/>
+              <a:buNone/>
+              <a:defRPr sz="1100" b="0" i="0" u="none" strike="noStrike" cap="none">
+                <a:solidFill>
+                  <a:schemeClr val="accent1"/>
+                </a:solidFill>
+                <a:latin typeface="Catamaran"/>
+                <a:ea typeface="Catamaran"/>
+                <a:cs typeface="Catamaran"/>
+                <a:sym typeface="Catamaran"/>
+              </a:defRPr>
+            </a:lvl5pPr>
+            <a:lvl6pPr marL="2743200" marR="0" lvl="5" indent="-298450" algn="l" rtl="0">
+              <a:lnSpc>
+                <a:spcPct val="115000"/>
+              </a:lnSpc>
+              <a:spcBef>
+                <a:spcPts val="1600"/>
+              </a:spcBef>
+              <a:spcAft>
+                <a:spcPts val="0"/>
+              </a:spcAft>
+              <a:buClr>
+                <a:schemeClr val="accent1"/>
+              </a:buClr>
+              <a:buSzPts val="1100"/>
+              <a:buFont typeface="Catamaran"/>
+              <a:buNone/>
+              <a:defRPr sz="1100" b="0" i="0" u="none" strike="noStrike" cap="none">
+                <a:solidFill>
+                  <a:schemeClr val="accent1"/>
+                </a:solidFill>
+                <a:latin typeface="Catamaran"/>
+                <a:ea typeface="Catamaran"/>
+                <a:cs typeface="Catamaran"/>
+                <a:sym typeface="Catamaran"/>
+              </a:defRPr>
+            </a:lvl6pPr>
+            <a:lvl7pPr marL="3200400" marR="0" lvl="6" indent="-298450" algn="l" rtl="0">
+              <a:lnSpc>
+                <a:spcPct val="115000"/>
+              </a:lnSpc>
+              <a:spcBef>
+                <a:spcPts val="1600"/>
+              </a:spcBef>
+              <a:spcAft>
+                <a:spcPts val="0"/>
+              </a:spcAft>
+              <a:buClr>
+                <a:schemeClr val="accent1"/>
+              </a:buClr>
+              <a:buSzPts val="1100"/>
+              <a:buFont typeface="Catamaran"/>
+              <a:buNone/>
+              <a:defRPr sz="1100" b="0" i="0" u="none" strike="noStrike" cap="none">
+                <a:solidFill>
+                  <a:schemeClr val="accent1"/>
+                </a:solidFill>
+                <a:latin typeface="Catamaran"/>
+                <a:ea typeface="Catamaran"/>
+                <a:cs typeface="Catamaran"/>
+                <a:sym typeface="Catamaran"/>
+              </a:defRPr>
+            </a:lvl7pPr>
+            <a:lvl8pPr marL="3657600" marR="0" lvl="7" indent="-298450" algn="l" rtl="0">
+              <a:lnSpc>
+                <a:spcPct val="115000"/>
+              </a:lnSpc>
+              <a:spcBef>
+                <a:spcPts val="1600"/>
+              </a:spcBef>
+              <a:spcAft>
+                <a:spcPts val="0"/>
+              </a:spcAft>
+              <a:buClr>
+                <a:schemeClr val="accent1"/>
+              </a:buClr>
+              <a:buSzPts val="1100"/>
+              <a:buFont typeface="Catamaran"/>
+              <a:buNone/>
+              <a:defRPr sz="1100" b="0" i="0" u="none" strike="noStrike" cap="none">
+                <a:solidFill>
+                  <a:schemeClr val="accent1"/>
+                </a:solidFill>
+                <a:latin typeface="Catamaran"/>
+                <a:ea typeface="Catamaran"/>
+                <a:cs typeface="Catamaran"/>
+                <a:sym typeface="Catamaran"/>
+              </a:defRPr>
+            </a:lvl8pPr>
+            <a:lvl9pPr marL="4114800" marR="0" lvl="8" indent="-298450" algn="l" rtl="0">
+              <a:lnSpc>
+                <a:spcPct val="115000"/>
+              </a:lnSpc>
+              <a:spcBef>
+                <a:spcPts val="1600"/>
+              </a:spcBef>
+              <a:spcAft>
+                <a:spcPts val="1600"/>
+              </a:spcAft>
+              <a:buClr>
+                <a:schemeClr val="accent1"/>
+              </a:buClr>
+              <a:buSzPts val="1100"/>
+              <a:buFont typeface="Catamaran"/>
+              <a:buNone/>
+              <a:defRPr sz="1100" b="0" i="0" u="none" strike="noStrike" cap="none">
+                <a:solidFill>
+                  <a:schemeClr val="accent1"/>
+                </a:solidFill>
+                <a:latin typeface="Catamaran"/>
+                <a:ea typeface="Catamaran"/>
+                <a:cs typeface="Catamaran"/>
+                <a:sym typeface="Catamaran"/>
+              </a:defRPr>
+            </a:lvl9pPr>
+          </a:lstStyle>
+          <a:p>
+            <a:pPr marL="0" indent="0">
+              <a:spcAft>
+                <a:spcPts val="1600"/>
+              </a:spcAft>
+            </a:pPr>
+            <a:r>
+              <a:rPr lang="it-IT" sz="1600" dirty="0" err="1"/>
+              <a:t>CouchBase</a:t>
+            </a:r>
+            <a:r>
+              <a:rPr lang="it-IT" sz="1600" dirty="0"/>
+              <a:t> </a:t>
+            </a:r>
+            <a:r>
+              <a:rPr lang="it-IT" sz="1600" dirty="0" err="1"/>
+              <a:t>is</a:t>
+            </a:r>
+            <a:r>
+              <a:rPr lang="it-IT" sz="1600" dirty="0"/>
+              <a:t> a </a:t>
+            </a:r>
+            <a:r>
+              <a:rPr lang="it-IT" sz="1600" dirty="0">
+                <a:solidFill>
+                  <a:srgbClr val="C00000"/>
+                </a:solidFill>
+              </a:rPr>
+              <a:t>non-</a:t>
+            </a:r>
+            <a:r>
+              <a:rPr lang="it-IT" sz="1600" dirty="0" err="1">
+                <a:solidFill>
+                  <a:srgbClr val="C00000"/>
+                </a:solidFill>
+              </a:rPr>
+              <a:t>relational</a:t>
+            </a:r>
+            <a:r>
+              <a:rPr lang="it-IT" sz="1600" dirty="0"/>
+              <a:t> database, </a:t>
+            </a:r>
+            <a:r>
+              <a:rPr lang="it-IT" sz="1600" dirty="0" err="1"/>
+              <a:t>is</a:t>
+            </a:r>
+            <a:r>
+              <a:rPr lang="it-IT" sz="1600" dirty="0"/>
+              <a:t> </a:t>
+            </a:r>
+            <a:r>
+              <a:rPr lang="it-IT" sz="1600" dirty="0" err="1"/>
+              <a:t>document-based</a:t>
+            </a:r>
+            <a:r>
+              <a:rPr lang="it-IT" sz="1600" dirty="0"/>
+              <a:t>. Data in </a:t>
+            </a:r>
+            <a:r>
+              <a:rPr lang="it-IT" sz="1600" dirty="0" err="1"/>
+              <a:t>couchbase</a:t>
+            </a:r>
+            <a:r>
+              <a:rPr lang="it-IT" sz="1600" dirty="0"/>
+              <a:t> </a:t>
+            </a:r>
+            <a:r>
+              <a:rPr lang="it-IT" sz="1600" dirty="0" err="1"/>
+              <a:t>is</a:t>
+            </a:r>
+            <a:r>
+              <a:rPr lang="it-IT" sz="1600" dirty="0"/>
+              <a:t> </a:t>
+            </a:r>
+            <a:r>
+              <a:rPr lang="it-IT" sz="1600" dirty="0" err="1"/>
+              <a:t>stored</a:t>
+            </a:r>
+            <a:r>
+              <a:rPr lang="it-IT" sz="1600" dirty="0"/>
+              <a:t> </a:t>
+            </a:r>
+            <a:r>
+              <a:rPr lang="it-IT" sz="1600" dirty="0" err="1"/>
+              <a:t>as</a:t>
+            </a:r>
+            <a:r>
+              <a:rPr lang="it-IT" sz="1600" dirty="0"/>
+              <a:t> </a:t>
+            </a:r>
+            <a:r>
+              <a:rPr lang="it-IT" sz="1600" dirty="0">
+                <a:solidFill>
+                  <a:srgbClr val="C00000"/>
+                </a:solidFill>
+              </a:rPr>
+              <a:t>JSON</a:t>
+            </a:r>
+            <a:r>
+              <a:rPr lang="it-IT" sz="1600" dirty="0"/>
+              <a:t> </a:t>
+            </a:r>
+            <a:r>
+              <a:rPr lang="it-IT" sz="1600" dirty="0" err="1"/>
+              <a:t>documents</a:t>
+            </a:r>
+            <a:endParaRPr lang="it-IT" sz="1600" dirty="0"/>
+          </a:p>
+          <a:p>
+            <a:pPr marL="0" indent="0">
+              <a:spcAft>
+                <a:spcPts val="1600"/>
+              </a:spcAft>
+            </a:pPr>
+            <a:r>
+              <a:rPr lang="it-IT" sz="1600" dirty="0" err="1">
+                <a:solidFill>
+                  <a:srgbClr val="C00000"/>
+                </a:solidFill>
+              </a:rPr>
+              <a:t>Modularity</a:t>
+            </a:r>
+            <a:r>
+              <a:rPr lang="it-IT" sz="1600" dirty="0"/>
+              <a:t> of </a:t>
+            </a:r>
+            <a:r>
+              <a:rPr lang="it-IT" sz="1600" dirty="0" err="1"/>
+              <a:t>components</a:t>
+            </a:r>
+            <a:r>
+              <a:rPr lang="it-IT" sz="1600" dirty="0"/>
+              <a:t> make </a:t>
+            </a:r>
+            <a:r>
+              <a:rPr lang="it-IT" sz="1600" dirty="0" err="1"/>
+              <a:t>CouchBase</a:t>
+            </a:r>
+            <a:r>
+              <a:rPr lang="it-IT" sz="1600" dirty="0"/>
+              <a:t> </a:t>
+            </a:r>
+            <a:r>
+              <a:rPr lang="it-IT" sz="1600" dirty="0" err="1"/>
+              <a:t>suitable</a:t>
+            </a:r>
+            <a:r>
+              <a:rPr lang="it-IT" sz="1600" dirty="0"/>
+              <a:t> for </a:t>
+            </a:r>
+            <a:r>
+              <a:rPr lang="it-IT" sz="1600" dirty="0" err="1"/>
+              <a:t>any</a:t>
+            </a:r>
+            <a:r>
+              <a:rPr lang="it-IT" sz="1600" dirty="0"/>
+              <a:t> </a:t>
+            </a:r>
+            <a:r>
+              <a:rPr lang="it-IT" sz="1600" dirty="0" err="1"/>
+              <a:t>kind</a:t>
+            </a:r>
+            <a:r>
+              <a:rPr lang="it-IT" sz="1600" dirty="0"/>
+              <a:t> of </a:t>
+            </a:r>
+            <a:r>
+              <a:rPr lang="it-IT" sz="1600" dirty="0" err="1"/>
+              <a:t>application</a:t>
+            </a:r>
+            <a:endParaRPr lang="it-IT" sz="1600" dirty="0"/>
+          </a:p>
+          <a:p>
+            <a:pPr marL="0" indent="0">
+              <a:spcAft>
+                <a:spcPts val="1600"/>
+              </a:spcAft>
+            </a:pPr>
+            <a:r>
+              <a:rPr lang="it-IT" sz="1600" dirty="0" err="1"/>
+              <a:t>Is</a:t>
+            </a:r>
+            <a:r>
+              <a:rPr lang="it-IT" sz="1600" dirty="0"/>
+              <a:t> </a:t>
+            </a:r>
+            <a:r>
+              <a:rPr lang="it-IT" sz="1600" dirty="0" err="1"/>
+              <a:t>also</a:t>
+            </a:r>
+            <a:r>
+              <a:rPr lang="it-IT" sz="1600" dirty="0"/>
+              <a:t> </a:t>
+            </a:r>
+            <a:r>
+              <a:rPr lang="it-IT" sz="1600" dirty="0" err="1"/>
+              <a:t>developed</a:t>
+            </a:r>
+            <a:r>
+              <a:rPr lang="it-IT" sz="1600" dirty="0"/>
+              <a:t> to be easy to </a:t>
+            </a:r>
+            <a:r>
+              <a:rPr lang="it-IT" sz="1600" dirty="0">
+                <a:solidFill>
+                  <a:srgbClr val="C00000"/>
+                </a:solidFill>
+              </a:rPr>
+              <a:t>scale</a:t>
+            </a:r>
+          </a:p>
+        </p:txBody>
+      </p:sp>
+      <p:pic>
+        <p:nvPicPr>
+          <p:cNvPr id="14" name="Immagine 13" descr="Immagine che contiene cerchio, testo, logo, schermata&#10;&#10;Descrizione generata automaticamente">
+            <a:extLst>
+              <a:ext uri="{FF2B5EF4-FFF2-40B4-BE49-F238E27FC236}">
+                <a16:creationId xmlns:a16="http://schemas.microsoft.com/office/drawing/2014/main" id="{407CD979-4D44-1A6B-D3F7-551FBC472D61}"/>
+              </a:ext>
+            </a:extLst>
+          </p:cNvPr>
+          <p:cNvPicPr>
+            <a:picLocks noChangeAspect="1"/>
+          </p:cNvPicPr>
+          <p:nvPr/>
+        </p:nvPicPr>
+        <p:blipFill>
+          <a:blip r:embed="rId3"/>
+          <a:stretch>
+            <a:fillRect/>
+          </a:stretch>
+        </p:blipFill>
+        <p:spPr>
+          <a:xfrm>
+            <a:off x="5953152" y="1356682"/>
+            <a:ext cx="2857500" cy="2857500"/>
+          </a:xfrm>
+          <a:prstGeom prst="rect">
+            <a:avLst/>
+          </a:prstGeom>
+        </p:spPr>
+      </p:pic>
     </p:spTree>
+    <p:extLst>
+      <p:ext uri="{BB962C8B-B14F-4D97-AF65-F5344CB8AC3E}">
+        <p14:creationId xmlns:p14="http://schemas.microsoft.com/office/powerpoint/2010/main" val="3996020211"/>
+      </p:ext>
+    </p:extLst>
   </p:cSld>
   <p:clrMapOvr>
     <a:masterClrMapping/>
@@ -7094,6 +7881,583 @@
 </file>
 
 <file path=ppt/slides/slide4.xml><?xml version="1.0" encoding="utf-8"?>
+<p:sld xmlns:a="http://schemas.openxmlformats.org/drawingml/2006/main" xmlns:r="http://schemas.openxmlformats.org/officeDocument/2006/relationships" xmlns:p="http://schemas.openxmlformats.org/presentationml/2006/main">
+  <p:cSld>
+    <p:spTree>
+      <p:nvGrpSpPr>
+        <p:cNvPr id="1" name="Shape 80"/>
+        <p:cNvGrpSpPr/>
+        <p:nvPr/>
+      </p:nvGrpSpPr>
+      <p:grpSpPr>
+        <a:xfrm>
+          <a:off x="0" y="0"/>
+          <a:ext cx="0" cy="0"/>
+          <a:chOff x="0" y="0"/>
+          <a:chExt cx="0" cy="0"/>
+        </a:xfrm>
+      </p:grpSpPr>
+      <p:sp>
+        <p:nvSpPr>
+          <p:cNvPr id="83" name="Google Shape;83;p8"/>
+          <p:cNvSpPr txBox="1">
+            <a:spLocks noGrp="1"/>
+          </p:cNvSpPr>
+          <p:nvPr>
+            <p:ph type="sldNum" idx="12"/>
+          </p:nvPr>
+        </p:nvSpPr>
+        <p:spPr>
+          <a:xfrm>
+            <a:off x="8536302" y="4749851"/>
+            <a:ext cx="548700" cy="393600"/>
+          </a:xfrm>
+          <a:prstGeom prst="rect">
+            <a:avLst/>
+          </a:prstGeom>
+        </p:spPr>
+        <p:txBody>
+          <a:bodyPr spcFirstLastPara="1" wrap="square" lIns="91425" tIns="91425" rIns="91425" bIns="91425" anchor="ctr" anchorCtr="0">
+            <a:noAutofit/>
+          </a:bodyPr>
+          <a:lstStyle/>
+          <a:p>
+            <a:pPr marL="0" lvl="0" indent="0" algn="r" rtl="0">
+              <a:spcBef>
+                <a:spcPts val="0"/>
+              </a:spcBef>
+              <a:spcAft>
+                <a:spcPts val="0"/>
+              </a:spcAft>
+              <a:buNone/>
+            </a:pPr>
+            <a:fld id="{00000000-1234-1234-1234-123412341234}" type="slidenum">
+              <a:rPr lang="it"/>
+              <a:t>4</a:t>
+            </a:fld>
+            <a:endParaRPr/>
+          </a:p>
+        </p:txBody>
+      </p:sp>
+      <p:sp>
+        <p:nvSpPr>
+          <p:cNvPr id="84" name="Google Shape;84;p8"/>
+          <p:cNvSpPr txBox="1">
+            <a:spLocks noGrp="1"/>
+          </p:cNvSpPr>
+          <p:nvPr>
+            <p:ph type="subTitle" idx="2"/>
+          </p:nvPr>
+        </p:nvSpPr>
+        <p:spPr>
+          <a:xfrm>
+            <a:off x="1414800" y="4779100"/>
+            <a:ext cx="5854500" cy="335100"/>
+          </a:xfrm>
+          <a:prstGeom prst="rect">
+            <a:avLst/>
+          </a:prstGeom>
+        </p:spPr>
+        <p:txBody>
+          <a:bodyPr spcFirstLastPara="1" wrap="square" lIns="91425" tIns="91425" rIns="91425" bIns="91425" anchor="t" anchorCtr="0">
+            <a:noAutofit/>
+          </a:bodyPr>
+          <a:lstStyle/>
+          <a:p>
+            <a:pPr marL="0" lvl="0" indent="0" algn="l" rtl="0">
+              <a:spcBef>
+                <a:spcPts val="0"/>
+              </a:spcBef>
+              <a:spcAft>
+                <a:spcPts val="1600"/>
+              </a:spcAft>
+              <a:buNone/>
+            </a:pPr>
+            <a:r>
+              <a:rPr lang="it-IT" sz="900" dirty="0" err="1"/>
+              <a:t>CouchBase</a:t>
+            </a:r>
+            <a:r>
+              <a:rPr lang="it" sz="900" dirty="0"/>
+              <a:t> – Lorenzo Frangella 1899674</a:t>
+            </a:r>
+            <a:endParaRPr sz="900" dirty="0"/>
+          </a:p>
+        </p:txBody>
+      </p:sp>
+      <p:pic>
+        <p:nvPicPr>
+          <p:cNvPr id="14" name="Immagine 13" descr="Immagine che contiene cerchio, testo, logo, schermata&#10;&#10;Descrizione generata automaticamente">
+            <a:extLst>
+              <a:ext uri="{FF2B5EF4-FFF2-40B4-BE49-F238E27FC236}">
+                <a16:creationId xmlns:a16="http://schemas.microsoft.com/office/drawing/2014/main" id="{407CD979-4D44-1A6B-D3F7-551FBC472D61}"/>
+              </a:ext>
+            </a:extLst>
+          </p:cNvPr>
+          <p:cNvPicPr>
+            <a:picLocks noChangeAspect="1"/>
+          </p:cNvPicPr>
+          <p:nvPr/>
+        </p:nvPicPr>
+        <p:blipFill>
+          <a:blip r:embed="rId3"/>
+          <a:stretch>
+            <a:fillRect/>
+          </a:stretch>
+        </p:blipFill>
+        <p:spPr>
+          <a:xfrm>
+            <a:off x="2475524" y="586149"/>
+            <a:ext cx="4192951" cy="4192951"/>
+          </a:xfrm>
+          <a:prstGeom prst="rect">
+            <a:avLst/>
+          </a:prstGeom>
+        </p:spPr>
+      </p:pic>
+    </p:spTree>
+  </p:cSld>
+  <p:clrMapOvr>
+    <a:masterClrMapping/>
+  </p:clrMapOvr>
+  <mc:AlternateContent xmlns:mc="http://schemas.openxmlformats.org/markup-compatibility/2006">
+    <mc:Choice xmlns:p159="http://schemas.microsoft.com/office/powerpoint/2015/09/main" Requires="p159">
+      <p:transition xmlns:p14="http://schemas.microsoft.com/office/powerpoint/2010/main" spd="slow" p14:dur="2000">
+        <p159:morph option="byObject"/>
+      </p:transition>
+    </mc:Choice>
+    <mc:Fallback>
+      <p:transition spd="slow">
+        <p:fade/>
+      </p:transition>
+    </mc:Fallback>
+  </mc:AlternateContent>
+</p:sld>
+</file>
+
+<file path=ppt/slides/slide5.xml><?xml version="1.0" encoding="utf-8"?>
+<p:sld xmlns:a="http://schemas.openxmlformats.org/drawingml/2006/main" xmlns:r="http://schemas.openxmlformats.org/officeDocument/2006/relationships" xmlns:p="http://schemas.openxmlformats.org/presentationml/2006/main">
+  <p:cSld>
+    <p:spTree>
+      <p:nvGrpSpPr>
+        <p:cNvPr id="1" name=""/>
+        <p:cNvGrpSpPr/>
+        <p:nvPr/>
+      </p:nvGrpSpPr>
+      <p:grpSpPr>
+        <a:xfrm>
+          <a:off x="0" y="0"/>
+          <a:ext cx="0" cy="0"/>
+          <a:chOff x="0" y="0"/>
+          <a:chExt cx="0" cy="0"/>
+        </a:xfrm>
+      </p:grpSpPr>
+      <p:sp>
+        <p:nvSpPr>
+          <p:cNvPr id="20" name="Rettangolo con angoli arrotondati 19">
+            <a:extLst>
+              <a:ext uri="{FF2B5EF4-FFF2-40B4-BE49-F238E27FC236}">
+                <a16:creationId xmlns:a16="http://schemas.microsoft.com/office/drawing/2014/main" id="{B7978FEC-4F67-5B91-4B80-A3B3AA76FE8D}"/>
+              </a:ext>
+            </a:extLst>
+          </p:cNvPr>
+          <p:cNvSpPr/>
+          <p:nvPr/>
+        </p:nvSpPr>
+        <p:spPr>
+          <a:xfrm>
+            <a:off x="727651" y="3628587"/>
+            <a:ext cx="1045029" cy="743085"/>
+          </a:xfrm>
+          <a:prstGeom prst="roundRect">
+            <a:avLst/>
+          </a:prstGeom>
+          <a:solidFill>
+            <a:srgbClr val="E9EDEE"/>
+          </a:solidFill>
+          <a:ln>
+            <a:solidFill>
+              <a:srgbClr val="6F0A19"/>
+            </a:solidFill>
+          </a:ln>
+        </p:spPr>
+        <p:style>
+          <a:lnRef idx="2">
+            <a:schemeClr val="accent1">
+              <a:shade val="50000"/>
+            </a:schemeClr>
+          </a:lnRef>
+          <a:fillRef idx="1">
+            <a:schemeClr val="accent1"/>
+          </a:fillRef>
+          <a:effectRef idx="0">
+            <a:schemeClr val="accent1"/>
+          </a:effectRef>
+          <a:fontRef idx="minor">
+            <a:schemeClr val="lt1"/>
+          </a:fontRef>
+        </p:style>
+        <p:txBody>
+          <a:bodyPr rtlCol="0" anchor="ctr"/>
+          <a:lstStyle/>
+          <a:p>
+            <a:pPr algn="ctr"/>
+            <a:endParaRPr lang="en-US" dirty="0"/>
+          </a:p>
+        </p:txBody>
+      </p:sp>
+      <p:sp>
+        <p:nvSpPr>
+          <p:cNvPr id="18" name="Rettangolo con angoli arrotondati 17">
+            <a:extLst>
+              <a:ext uri="{FF2B5EF4-FFF2-40B4-BE49-F238E27FC236}">
+                <a16:creationId xmlns:a16="http://schemas.microsoft.com/office/drawing/2014/main" id="{8C4C1D8E-3FDE-AE31-67A6-5AA3AD09253F}"/>
+              </a:ext>
+            </a:extLst>
+          </p:cNvPr>
+          <p:cNvSpPr/>
+          <p:nvPr/>
+        </p:nvSpPr>
+        <p:spPr>
+          <a:xfrm>
+            <a:off x="727651" y="3179744"/>
+            <a:ext cx="1045029" cy="743085"/>
+          </a:xfrm>
+          <a:prstGeom prst="roundRect">
+            <a:avLst/>
+          </a:prstGeom>
+          <a:solidFill>
+            <a:srgbClr val="E9EDEE"/>
+          </a:solidFill>
+          <a:ln>
+            <a:solidFill>
+              <a:srgbClr val="6F0A19"/>
+            </a:solidFill>
+          </a:ln>
+        </p:spPr>
+        <p:style>
+          <a:lnRef idx="2">
+            <a:schemeClr val="accent1">
+              <a:shade val="50000"/>
+            </a:schemeClr>
+          </a:lnRef>
+          <a:fillRef idx="1">
+            <a:schemeClr val="accent1"/>
+          </a:fillRef>
+          <a:effectRef idx="0">
+            <a:schemeClr val="accent1"/>
+          </a:effectRef>
+          <a:fontRef idx="minor">
+            <a:schemeClr val="lt1"/>
+          </a:fontRef>
+        </p:style>
+        <p:txBody>
+          <a:bodyPr rtlCol="0" anchor="ctr"/>
+          <a:lstStyle/>
+          <a:p>
+            <a:pPr algn="ctr"/>
+            <a:endParaRPr lang="en-US" dirty="0"/>
+          </a:p>
+        </p:txBody>
+      </p:sp>
+      <p:sp>
+        <p:nvSpPr>
+          <p:cNvPr id="2" name="Titolo 1">
+            <a:extLst>
+              <a:ext uri="{FF2B5EF4-FFF2-40B4-BE49-F238E27FC236}">
+                <a16:creationId xmlns:a16="http://schemas.microsoft.com/office/drawing/2014/main" id="{7A00C1B6-B23C-EB2B-0659-38EDA28101B9}"/>
+              </a:ext>
+            </a:extLst>
+          </p:cNvPr>
+          <p:cNvSpPr>
+            <a:spLocks noGrp="1"/>
+          </p:cNvSpPr>
+          <p:nvPr>
+            <p:ph type="title"/>
+          </p:nvPr>
+        </p:nvSpPr>
+        <p:spPr/>
+        <p:txBody>
+          <a:bodyPr/>
+          <a:lstStyle/>
+          <a:p>
+            <a:r>
+              <a:rPr lang="en-US" dirty="0" err="1"/>
+              <a:t>CouchBase</a:t>
+            </a:r>
+            <a:r>
+              <a:rPr lang="en-US" dirty="0"/>
+              <a:t> Architecture</a:t>
+            </a:r>
+            <a:br>
+              <a:rPr lang="en-US" dirty="0"/>
+            </a:br>
+            <a:endParaRPr lang="en-US" dirty="0"/>
+          </a:p>
+        </p:txBody>
+      </p:sp>
+      <p:sp>
+        <p:nvSpPr>
+          <p:cNvPr id="4" name="Segnaposto numero diapositiva 3">
+            <a:extLst>
+              <a:ext uri="{FF2B5EF4-FFF2-40B4-BE49-F238E27FC236}">
+                <a16:creationId xmlns:a16="http://schemas.microsoft.com/office/drawing/2014/main" id="{F606D63C-B594-0C53-DB46-9E839B909710}"/>
+              </a:ext>
+            </a:extLst>
+          </p:cNvPr>
+          <p:cNvSpPr>
+            <a:spLocks noGrp="1"/>
+          </p:cNvSpPr>
+          <p:nvPr>
+            <p:ph type="sldNum" idx="12"/>
+          </p:nvPr>
+        </p:nvSpPr>
+        <p:spPr/>
+        <p:txBody>
+          <a:bodyPr/>
+          <a:lstStyle/>
+          <a:p>
+            <a:pPr marL="0" lvl="0" indent="0" algn="r" rtl="0">
+              <a:spcBef>
+                <a:spcPts val="0"/>
+              </a:spcBef>
+              <a:spcAft>
+                <a:spcPts val="0"/>
+              </a:spcAft>
+              <a:buNone/>
+            </a:pPr>
+            <a:fld id="{00000000-1234-1234-1234-123412341234}" type="slidenum">
+              <a:rPr lang="it-IT" smtClean="0"/>
+              <a:t>5</a:t>
+            </a:fld>
+            <a:endParaRPr lang="it-IT"/>
+          </a:p>
+        </p:txBody>
+      </p:sp>
+      <p:sp>
+        <p:nvSpPr>
+          <p:cNvPr id="6" name="Google Shape;84;p8">
+            <a:extLst>
+              <a:ext uri="{FF2B5EF4-FFF2-40B4-BE49-F238E27FC236}">
+                <a16:creationId xmlns:a16="http://schemas.microsoft.com/office/drawing/2014/main" id="{996F2EC7-6863-AD9F-E7DB-5EA968408A7B}"/>
+              </a:ext>
+            </a:extLst>
+          </p:cNvPr>
+          <p:cNvSpPr txBox="1">
+            <a:spLocks noGrp="1"/>
+          </p:cNvSpPr>
+          <p:nvPr>
+            <p:ph type="subTitle" idx="2"/>
+          </p:nvPr>
+        </p:nvSpPr>
+        <p:spPr>
+          <a:prstGeom prst="rect">
+            <a:avLst/>
+          </a:prstGeom>
+        </p:spPr>
+        <p:txBody>
+          <a:bodyPr spcFirstLastPara="1" wrap="square" lIns="91425" tIns="91425" rIns="91425" bIns="91425" anchor="t" anchorCtr="0">
+            <a:noAutofit/>
+          </a:bodyPr>
+          <a:lstStyle/>
+          <a:p>
+            <a:pPr marL="0" lvl="0" indent="0" algn="l" rtl="0">
+              <a:spcBef>
+                <a:spcPts val="0"/>
+              </a:spcBef>
+              <a:spcAft>
+                <a:spcPts val="1600"/>
+              </a:spcAft>
+              <a:buNone/>
+            </a:pPr>
+            <a:r>
+              <a:rPr lang="it-IT" sz="900" dirty="0" err="1"/>
+              <a:t>CouchBase</a:t>
+            </a:r>
+            <a:r>
+              <a:rPr lang="it" sz="900" dirty="0"/>
+              <a:t> – Lorenzo Frangella 1899674</a:t>
+            </a:r>
+            <a:endParaRPr sz="900" dirty="0"/>
+          </a:p>
+        </p:txBody>
+      </p:sp>
+      <p:sp>
+        <p:nvSpPr>
+          <p:cNvPr id="19" name="Rettangolo con angoli arrotondati 18">
+            <a:extLst>
+              <a:ext uri="{FF2B5EF4-FFF2-40B4-BE49-F238E27FC236}">
+                <a16:creationId xmlns:a16="http://schemas.microsoft.com/office/drawing/2014/main" id="{CA8C7CA8-614C-0AF7-DD95-F96F9BAEEB39}"/>
+              </a:ext>
+            </a:extLst>
+          </p:cNvPr>
+          <p:cNvSpPr/>
+          <p:nvPr/>
+        </p:nvSpPr>
+        <p:spPr>
+          <a:xfrm>
+            <a:off x="727651" y="2702114"/>
+            <a:ext cx="1045029" cy="743085"/>
+          </a:xfrm>
+          <a:prstGeom prst="roundRect">
+            <a:avLst/>
+          </a:prstGeom>
+          <a:solidFill>
+            <a:srgbClr val="E9EDEE"/>
+          </a:solidFill>
+          <a:ln>
+            <a:solidFill>
+              <a:srgbClr val="6F0A19"/>
+            </a:solidFill>
+          </a:ln>
+        </p:spPr>
+        <p:style>
+          <a:lnRef idx="2">
+            <a:schemeClr val="accent1">
+              <a:shade val="50000"/>
+            </a:schemeClr>
+          </a:lnRef>
+          <a:fillRef idx="1">
+            <a:schemeClr val="accent1"/>
+          </a:fillRef>
+          <a:effectRef idx="0">
+            <a:schemeClr val="accent1"/>
+          </a:effectRef>
+          <a:fontRef idx="minor">
+            <a:schemeClr val="lt1"/>
+          </a:fontRef>
+        </p:style>
+        <p:txBody>
+          <a:bodyPr rtlCol="0" anchor="ctr"/>
+          <a:lstStyle/>
+          <a:p>
+            <a:pPr algn="ctr"/>
+            <a:endParaRPr lang="en-US" dirty="0"/>
+          </a:p>
+        </p:txBody>
+      </p:sp>
+      <p:sp>
+        <p:nvSpPr>
+          <p:cNvPr id="7" name="Rettangolo con angoli arrotondati 6">
+            <a:extLst>
+              <a:ext uri="{FF2B5EF4-FFF2-40B4-BE49-F238E27FC236}">
+                <a16:creationId xmlns:a16="http://schemas.microsoft.com/office/drawing/2014/main" id="{97D3EE54-25E9-3E9D-1D47-E6BCD25DD251}"/>
+              </a:ext>
+            </a:extLst>
+          </p:cNvPr>
+          <p:cNvSpPr/>
+          <p:nvPr/>
+        </p:nvSpPr>
+        <p:spPr>
+          <a:xfrm>
+            <a:off x="727652" y="2253271"/>
+            <a:ext cx="1045029" cy="743085"/>
+          </a:xfrm>
+          <a:prstGeom prst="roundRect">
+            <a:avLst/>
+          </a:prstGeom>
+          <a:solidFill>
+            <a:srgbClr val="E9EDEE"/>
+          </a:solidFill>
+          <a:ln>
+            <a:solidFill>
+              <a:srgbClr val="6F0A19"/>
+            </a:solidFill>
+          </a:ln>
+        </p:spPr>
+        <p:style>
+          <a:lnRef idx="2">
+            <a:schemeClr val="accent1">
+              <a:shade val="50000"/>
+            </a:schemeClr>
+          </a:lnRef>
+          <a:fillRef idx="1">
+            <a:schemeClr val="accent1"/>
+          </a:fillRef>
+          <a:effectRef idx="0">
+            <a:schemeClr val="accent1"/>
+          </a:effectRef>
+          <a:fontRef idx="minor">
+            <a:schemeClr val="lt1"/>
+          </a:fontRef>
+        </p:style>
+        <p:txBody>
+          <a:bodyPr rtlCol="0" anchor="ctr"/>
+          <a:lstStyle/>
+          <a:p>
+            <a:pPr algn="ctr"/>
+            <a:endParaRPr lang="en-US" dirty="0"/>
+          </a:p>
+        </p:txBody>
+      </p:sp>
+      <p:sp>
+        <p:nvSpPr>
+          <p:cNvPr id="21" name="Rettangolo con angoli arrotondati 20">
+            <a:extLst>
+              <a:ext uri="{FF2B5EF4-FFF2-40B4-BE49-F238E27FC236}">
+                <a16:creationId xmlns:a16="http://schemas.microsoft.com/office/drawing/2014/main" id="{6715B229-8804-D5BB-1240-E006AC843C38}"/>
+              </a:ext>
+            </a:extLst>
+          </p:cNvPr>
+          <p:cNvSpPr/>
+          <p:nvPr/>
+        </p:nvSpPr>
+        <p:spPr>
+          <a:xfrm>
+            <a:off x="727650" y="1804428"/>
+            <a:ext cx="1045029" cy="743085"/>
+          </a:xfrm>
+          <a:prstGeom prst="roundRect">
+            <a:avLst/>
+          </a:prstGeom>
+          <a:solidFill>
+            <a:srgbClr val="E9EDEE"/>
+          </a:solidFill>
+          <a:ln>
+            <a:solidFill>
+              <a:srgbClr val="6F0A19"/>
+            </a:solidFill>
+          </a:ln>
+        </p:spPr>
+        <p:style>
+          <a:lnRef idx="2">
+            <a:schemeClr val="accent1">
+              <a:shade val="50000"/>
+            </a:schemeClr>
+          </a:lnRef>
+          <a:fillRef idx="1">
+            <a:schemeClr val="accent1"/>
+          </a:fillRef>
+          <a:effectRef idx="0">
+            <a:schemeClr val="accent1"/>
+          </a:effectRef>
+          <a:fontRef idx="minor">
+            <a:schemeClr val="lt1"/>
+          </a:fontRef>
+        </p:style>
+        <p:txBody>
+          <a:bodyPr rtlCol="0" anchor="ctr"/>
+          <a:lstStyle/>
+          <a:p>
+            <a:pPr algn="ctr"/>
+            <a:endParaRPr lang="en-US" dirty="0"/>
+          </a:p>
+        </p:txBody>
+      </p:sp>
+    </p:spTree>
+    <p:extLst>
+      <p:ext uri="{BB962C8B-B14F-4D97-AF65-F5344CB8AC3E}">
+        <p14:creationId xmlns:p14="http://schemas.microsoft.com/office/powerpoint/2010/main" val="810630271"/>
+      </p:ext>
+    </p:extLst>
+  </p:cSld>
+  <p:clrMapOvr>
+    <a:masterClrMapping/>
+  </p:clrMapOvr>
+</p:sld>
+</file>
+
+<file path=ppt/slides/slide6.xml><?xml version="1.0" encoding="utf-8"?>
 <p:sld xmlns:a="http://schemas.openxmlformats.org/drawingml/2006/main" xmlns:r="http://schemas.openxmlformats.org/officeDocument/2006/relationships" xmlns:p="http://schemas.openxmlformats.org/presentationml/2006/main">
   <p:cSld>
     <p:spTree>
@@ -7188,7 +8552,7 @@
             </a:pPr>
             <a:fld id="{00000000-1234-1234-1234-123412341234}" type="slidenum">
               <a:rPr lang="it"/>
-              <a:t>4</a:t>
+              <a:t>6</a:t>
             </a:fld>
             <a:endParaRPr/>
           </a:p>
@@ -7229,10 +8593,10 @@
               <a:buNone/>
             </a:pPr>
             <a:r>
-              <a:rPr lang="it"/>
+              <a:rPr lang="it" dirty="0"/>
               <a:t>Lorem ipsum dolor sit amet, consectetur adipisci elit, sed eiusmod tempor incidunt ut labore et dolore magna aliqua. Ut enim ad minim veniam, quis nostrum exercitationem ullam corporis suscipit laboriosam, nisi ut aliquid ex ea commodi consequatur. Quis aute iure reprehenderit in voluptate velit esse cillum dolore eu fugiat nulla pariatur. Excepteur sint obcaecat cupiditat non proident, sunt in culpa qui officia deserunt mollit anim id est laborum.</a:t>
             </a:r>
-            <a:endParaRPr b="1"/>
+            <a:endParaRPr b="1" dirty="0"/>
           </a:p>
         </p:txBody>
       </p:sp>
@@ -7351,7 +8715,7 @@
               <a:buNone/>
             </a:pPr>
             <a:r>
-              <a:rPr lang="it" sz="1200">
+              <a:rPr lang="it" sz="1200" dirty="0">
                 <a:solidFill>
                   <a:schemeClr val="accent1"/>
                 </a:solidFill>
@@ -7362,7 +8726,7 @@
               </a:rPr>
               <a:t>Ut enim ad minim veniam, quis nostrum exercitationem ullam corporis suscipit laboriosam, nisi ut aliquid ex ea commodi consequatur.</a:t>
             </a:r>
-            <a:endParaRPr sz="1200"/>
+            <a:endParaRPr sz="1200" dirty="0"/>
           </a:p>
         </p:txBody>
       </p:sp>
@@ -7552,7 +8916,7 @@
 </p:sld>
 </file>
 
-<file path=ppt/slides/slide5.xml><?xml version="1.0" encoding="utf-8"?>
+<file path=ppt/slides/slide7.xml><?xml version="1.0" encoding="utf-8"?>
 <p:sld xmlns:a="http://schemas.openxmlformats.org/drawingml/2006/main" xmlns:r="http://schemas.openxmlformats.org/officeDocument/2006/relationships" xmlns:p="http://schemas.openxmlformats.org/presentationml/2006/main">
   <p:cSld>
     <p:spTree>
@@ -7688,10 +9052,10 @@
               <a:buNone/>
             </a:pPr>
             <a:r>
-              <a:rPr lang="it"/>
+              <a:rPr lang="it" dirty="0"/>
               <a:t>Lorem ipsum dolor sit amet, consectetur adipisci elit, sed eiusmod tempor incidunt ut labore et dolore magna aliqua. Ut enim ad minim veniam, quis nostrum exercitationem ullam corporis suscipit laboriosam, nisi ut aliquid ex ea commodi consequatur. Quis aute iure reprehenderit in voluptate velit esse cillum dolore eu fugiat nulla pariatur. Excepteur sint obcaecat cupiditat non proident, sunt in culpa qui officia deserunt mollit anim id est laborum.</a:t>
             </a:r>
-            <a:endParaRPr/>
+            <a:endParaRPr dirty="0"/>
           </a:p>
         </p:txBody>
       </p:sp>
@@ -7731,7 +9095,7 @@
             </a:pPr>
             <a:fld id="{00000000-1234-1234-1234-123412341234}" type="slidenum">
               <a:rPr lang="it"/>
-              <a:t>5</a:t>
+              <a:t>7</a:t>
             </a:fld>
             <a:endParaRPr/>
           </a:p>
@@ -7787,7 +9151,7 @@
 </p:sld>
 </file>
 
-<file path=ppt/slides/slide6.xml><?xml version="1.0" encoding="utf-8"?>
+<file path=ppt/slides/slide8.xml><?xml version="1.0" encoding="utf-8"?>
 <p:sld xmlns:a="http://schemas.openxmlformats.org/drawingml/2006/main" xmlns:r="http://schemas.openxmlformats.org/officeDocument/2006/relationships" xmlns:p="http://schemas.openxmlformats.org/presentationml/2006/main">
   <p:cSld>
     <p:spTree>
@@ -7840,7 +9204,7 @@
             </a:pPr>
             <a:fld id="{00000000-1234-1234-1234-123412341234}" type="slidenum">
               <a:rPr lang="it"/>
-              <a:t>6</a:t>
+              <a:t>8</a:t>
             </a:fld>
             <a:endParaRPr/>
           </a:p>
@@ -8476,7 +9840,7 @@
 </p:sld>
 </file>
 
-<file path=ppt/slides/slide7.xml><?xml version="1.0" encoding="utf-8"?>
+<file path=ppt/slides/slide9.xml><?xml version="1.0" encoding="utf-8"?>
 <p:sld xmlns:a="http://schemas.openxmlformats.org/drawingml/2006/main" xmlns:r="http://schemas.openxmlformats.org/officeDocument/2006/relationships" xmlns:p="http://schemas.openxmlformats.org/presentationml/2006/main">
   <p:cSld>
     <p:spTree>
@@ -8707,7 +10071,7 @@
             </a:pPr>
             <a:fld id="{00000000-1234-1234-1234-123412341234}" type="slidenum">
               <a:rPr lang="it"/>
-              <a:t>7</a:t>
+              <a:t>9</a:t>
             </a:fld>
             <a:endParaRPr/>
           </a:p>
@@ -8752,73 +10116,6 @@
               <a:t>Presentation Title - Name Surname</a:t>
             </a:r>
             <a:endParaRPr sz="900"/>
-          </a:p>
-        </p:txBody>
-      </p:sp>
-    </p:spTree>
-  </p:cSld>
-  <p:clrMapOvr>
-    <a:masterClrMapping/>
-  </p:clrMapOvr>
-</p:sld>
-</file>
-
-<file path=ppt/slides/slide8.xml><?xml version="1.0" encoding="utf-8"?>
-<p:sld xmlns:a="http://schemas.openxmlformats.org/drawingml/2006/main" xmlns:r="http://schemas.openxmlformats.org/officeDocument/2006/relationships" xmlns:p="http://schemas.openxmlformats.org/presentationml/2006/main">
-  <p:cSld>
-    <p:spTree>
-      <p:nvGrpSpPr>
-        <p:cNvPr id="1" name="Shape 134"/>
-        <p:cNvGrpSpPr/>
-        <p:nvPr/>
-      </p:nvGrpSpPr>
-      <p:grpSpPr>
-        <a:xfrm>
-          <a:off x="0" y="0"/>
-          <a:ext cx="0" cy="0"/>
-          <a:chOff x="0" y="0"/>
-          <a:chExt cx="0" cy="0"/>
-        </a:xfrm>
-      </p:grpSpPr>
-      <p:sp>
-        <p:nvSpPr>
-          <p:cNvPr id="135" name="Google Shape;135;p13"/>
-          <p:cNvSpPr txBox="1">
-            <a:spLocks noGrp="1"/>
-          </p:cNvSpPr>
-          <p:nvPr>
-            <p:ph type="ctrTitle"/>
-          </p:nvPr>
-        </p:nvSpPr>
-        <p:spPr>
-          <a:xfrm>
-            <a:off x="729450" y="1322450"/>
-            <a:ext cx="7688100" cy="767700"/>
-          </a:xfrm>
-          <a:prstGeom prst="rect">
-            <a:avLst/>
-          </a:prstGeom>
-        </p:spPr>
-        <p:txBody>
-          <a:bodyPr spcFirstLastPara="1" wrap="square" lIns="91425" tIns="91425" rIns="91425" bIns="91425" anchor="t" anchorCtr="0">
-            <a:noAutofit/>
-          </a:bodyPr>
-          <a:lstStyle/>
-          <a:p>
-            <a:pPr marL="0" lvl="0" indent="0" algn="l" rtl="0">
-              <a:spcBef>
-                <a:spcPts val="0"/>
-              </a:spcBef>
-              <a:spcAft>
-                <a:spcPts val="0"/>
-              </a:spcAft>
-              <a:buNone/>
-            </a:pPr>
-            <a:r>
-              <a:rPr lang="it"/>
-              <a:t>Thank you for the attention!</a:t>
-            </a:r>
-            <a:endParaRPr/>
           </a:p>
         </p:txBody>
       </p:sp>
